--- a/presentation/Data-Science-Intro.pptx
+++ b/presentation/Data-Science-Intro.pptx
@@ -6,17 +6,18 @@
   </p:sldMasterIdLst>
   <p:sldIdLst>
     <p:sldId id="256" r:id="rId2"/>
-    <p:sldId id="266" r:id="rId3"/>
-    <p:sldId id="268" r:id="rId4"/>
-    <p:sldId id="269" r:id="rId5"/>
-    <p:sldId id="261" r:id="rId6"/>
-    <p:sldId id="258" r:id="rId7"/>
-    <p:sldId id="260" r:id="rId8"/>
-    <p:sldId id="270" r:id="rId9"/>
-    <p:sldId id="271" r:id="rId10"/>
-    <p:sldId id="273" r:id="rId11"/>
-    <p:sldId id="272" r:id="rId12"/>
-    <p:sldId id="265" r:id="rId13"/>
+    <p:sldId id="257" r:id="rId3"/>
+    <p:sldId id="266" r:id="rId4"/>
+    <p:sldId id="268" r:id="rId5"/>
+    <p:sldId id="269" r:id="rId6"/>
+    <p:sldId id="261" r:id="rId7"/>
+    <p:sldId id="258" r:id="rId8"/>
+    <p:sldId id="260" r:id="rId9"/>
+    <p:sldId id="270" r:id="rId10"/>
+    <p:sldId id="271" r:id="rId11"/>
+    <p:sldId id="273" r:id="rId12"/>
+    <p:sldId id="272" r:id="rId13"/>
+    <p:sldId id="265" r:id="rId14"/>
   </p:sldIdLst>
   <p:sldSz cx="12192000" cy="6858000"/>
   <p:notesSz cx="6858000" cy="9144000"/>
@@ -121,6 +122,7 @@
         <p14:section name="Default Section" id="{E6903179-23DB-4621-9F05-67839453383A}">
           <p14:sldIdLst>
             <p14:sldId id="256"/>
+            <p14:sldId id="257"/>
             <p14:sldId id="266"/>
             <p14:sldId id="268"/>
             <p14:sldId id="269"/>
@@ -290,7 +292,7 @@
           <a:p>
             <a:fld id="{BFB024DD-906C-4F1B-B89D-92EE9BF757FC}" type="datetimeFigureOut">
               <a:rPr lang="en-US" smtClean="0"/>
-              <a:t>12/26/21</a:t>
+              <a:t>12/28/21</a:t>
             </a:fld>
             <a:endParaRPr lang="en-US"/>
           </a:p>
@@ -488,7 +490,7 @@
           <a:p>
             <a:fld id="{BFB024DD-906C-4F1B-B89D-92EE9BF757FC}" type="datetimeFigureOut">
               <a:rPr lang="en-US" smtClean="0"/>
-              <a:t>12/26/21</a:t>
+              <a:t>12/28/21</a:t>
             </a:fld>
             <a:endParaRPr lang="en-US"/>
           </a:p>
@@ -696,7 +698,7 @@
           <a:p>
             <a:fld id="{BFB024DD-906C-4F1B-B89D-92EE9BF757FC}" type="datetimeFigureOut">
               <a:rPr lang="en-US" smtClean="0"/>
-              <a:t>12/26/21</a:t>
+              <a:t>12/28/21</a:t>
             </a:fld>
             <a:endParaRPr lang="en-US"/>
           </a:p>
@@ -894,7 +896,7 @@
           <a:p>
             <a:fld id="{BFB024DD-906C-4F1B-B89D-92EE9BF757FC}" type="datetimeFigureOut">
               <a:rPr lang="en-US" smtClean="0"/>
-              <a:t>12/26/21</a:t>
+              <a:t>12/28/21</a:t>
             </a:fld>
             <a:endParaRPr lang="en-US"/>
           </a:p>
@@ -1169,7 +1171,7 @@
           <a:p>
             <a:fld id="{BFB024DD-906C-4F1B-B89D-92EE9BF757FC}" type="datetimeFigureOut">
               <a:rPr lang="en-US" smtClean="0"/>
-              <a:t>12/26/21</a:t>
+              <a:t>12/28/21</a:t>
             </a:fld>
             <a:endParaRPr lang="en-US"/>
           </a:p>
@@ -1434,7 +1436,7 @@
           <a:p>
             <a:fld id="{BFB024DD-906C-4F1B-B89D-92EE9BF757FC}" type="datetimeFigureOut">
               <a:rPr lang="en-US" smtClean="0"/>
-              <a:t>12/26/21</a:t>
+              <a:t>12/28/21</a:t>
             </a:fld>
             <a:endParaRPr lang="en-US"/>
           </a:p>
@@ -1846,7 +1848,7 @@
           <a:p>
             <a:fld id="{BFB024DD-906C-4F1B-B89D-92EE9BF757FC}" type="datetimeFigureOut">
               <a:rPr lang="en-US" smtClean="0"/>
-              <a:t>12/26/21</a:t>
+              <a:t>12/28/21</a:t>
             </a:fld>
             <a:endParaRPr lang="en-US"/>
           </a:p>
@@ -1987,7 +1989,7 @@
           <a:p>
             <a:fld id="{BFB024DD-906C-4F1B-B89D-92EE9BF757FC}" type="datetimeFigureOut">
               <a:rPr lang="en-US" smtClean="0"/>
-              <a:t>12/26/21</a:t>
+              <a:t>12/28/21</a:t>
             </a:fld>
             <a:endParaRPr lang="en-US"/>
           </a:p>
@@ -2100,7 +2102,7 @@
           <a:p>
             <a:fld id="{BFB024DD-906C-4F1B-B89D-92EE9BF757FC}" type="datetimeFigureOut">
               <a:rPr lang="en-US" smtClean="0"/>
-              <a:t>12/26/21</a:t>
+              <a:t>12/28/21</a:t>
             </a:fld>
             <a:endParaRPr lang="en-US"/>
           </a:p>
@@ -2411,7 +2413,7 @@
           <a:p>
             <a:fld id="{BFB024DD-906C-4F1B-B89D-92EE9BF757FC}" type="datetimeFigureOut">
               <a:rPr lang="en-US" smtClean="0"/>
-              <a:t>12/26/21</a:t>
+              <a:t>12/28/21</a:t>
             </a:fld>
             <a:endParaRPr lang="en-US"/>
           </a:p>
@@ -2699,7 +2701,7 @@
           <a:p>
             <a:fld id="{BFB024DD-906C-4F1B-B89D-92EE9BF757FC}" type="datetimeFigureOut">
               <a:rPr lang="en-US" smtClean="0"/>
-              <a:t>12/26/21</a:t>
+              <a:t>12/28/21</a:t>
             </a:fld>
             <a:endParaRPr lang="en-US"/>
           </a:p>
@@ -2940,7 +2942,7 @@
           <a:p>
             <a:fld id="{BFB024DD-906C-4F1B-B89D-92EE9BF757FC}" type="datetimeFigureOut">
               <a:rPr lang="en-US" smtClean="0"/>
-              <a:t>12/26/21</a:t>
+              <a:t>12/28/21</a:t>
             </a:fld>
             <a:endParaRPr lang="en-US"/>
           </a:p>
@@ -4343,7 +4345,7 @@
         <p:spPr>
           <a:xfrm>
             <a:off x="2963918" y="3865615"/>
-            <a:ext cx="8731258" cy="1748006"/>
+            <a:ext cx="8731255" cy="1620786"/>
           </a:xfrm>
         </p:spPr>
         <p:txBody>
@@ -4370,18 +4372,18 @@
               <a:t>Alam</a:t>
             </a:r>
             <a:br>
-              <a:rPr lang="en-US" sz="7200" dirty="0"/>
+              <a:rPr lang="en-US" sz="2800" dirty="0"/>
             </a:br>
             <a:r>
-              <a:rPr lang="en-US" sz="2700" dirty="0"/>
+              <a:rPr lang="en-US" sz="2400" dirty="0"/>
               <a:t>Data Scientist</a:t>
             </a:r>
             <a:br>
-              <a:rPr lang="en-US" sz="2700" dirty="0"/>
+              <a:rPr lang="en-US" sz="2400" dirty="0"/>
             </a:br>
             <a:r>
-              <a:rPr lang="en-US" sz="2800" dirty="0"/>
-              <a:t>Prague, Czech Republic</a:t>
+              <a:rPr lang="en-US" sz="2400" dirty="0"/>
+              <a:t>ISRT, Batch 15</a:t>
             </a:r>
             <a:endParaRPr lang="en-US" sz="2700" dirty="0"/>
           </a:p>
@@ -4474,6 +4476,190 @@
 <file path=ppt/slides/slide10.xml><?xml version="1.0" encoding="utf-8"?>
 <p:sld xmlns:a="http://schemas.openxmlformats.org/drawingml/2006/main" xmlns:r="http://schemas.openxmlformats.org/officeDocument/2006/relationships" xmlns:p="http://schemas.openxmlformats.org/presentationml/2006/main">
   <p:cSld>
+    <p:bg>
+      <p:bgPr>
+        <a:solidFill>
+          <a:schemeClr val="bg1"/>
+        </a:solidFill>
+        <a:effectLst/>
+      </p:bgPr>
+    </p:bg>
+    <p:spTree>
+      <p:nvGrpSpPr>
+        <p:cNvPr id="1" name=""/>
+        <p:cNvGrpSpPr/>
+        <p:nvPr/>
+      </p:nvGrpSpPr>
+      <p:grpSpPr>
+        <a:xfrm>
+          <a:off x="0" y="0"/>
+          <a:ext cx="0" cy="0"/>
+          <a:chOff x="0" y="0"/>
+          <a:chExt cx="0" cy="0"/>
+        </a:xfrm>
+      </p:grpSpPr>
+      <p:sp>
+        <p:nvSpPr>
+          <p:cNvPr id="10" name="Down Arrow 7">
+            <a:extLst>
+              <a:ext uri="{FF2B5EF4-FFF2-40B4-BE49-F238E27FC236}">
+                <a16:creationId xmlns:a16="http://schemas.microsoft.com/office/drawing/2014/main" id="{D4771268-CB57-404A-9271-370EB28F6090}"/>
+              </a:ext>
+              <a:ext uri="{C183D7F6-B498-43B3-948B-1728B52AA6E4}">
+                <adec:decorative xmlns:adec="http://schemas.microsoft.com/office/drawing/2017/decorative" val="1"/>
+              </a:ext>
+            </a:extLst>
+          </p:cNvPr>
+          <p:cNvSpPr>
+            <a:spLocks noGrp="1" noRot="1" noChangeAspect="1" noMove="1" noResize="1" noEditPoints="1" noAdjustHandles="1" noChangeArrowheads="1" noChangeShapeType="1" noTextEdit="1"/>
+          </p:cNvSpPr>
+          <p:nvPr>
+            <p:extLst>
+              <p:ext uri="{386F3935-93C4-4BCD-93E2-E3B085C9AB24}">
+                <p16:designElem xmlns:p16="http://schemas.microsoft.com/office/powerpoint/2015/main" val="1"/>
+              </p:ext>
+            </p:extLst>
+          </p:nvPr>
+        </p:nvSpPr>
+        <p:spPr>
+          <a:xfrm rot="16200000">
+            <a:off x="800100" y="1491343"/>
+            <a:ext cx="3333749" cy="3499103"/>
+          </a:xfrm>
+          <a:prstGeom prst="downArrow">
+            <a:avLst>
+              <a:gd name="adj1" fmla="val 100000"/>
+              <a:gd name="adj2" fmla="val 15788"/>
+            </a:avLst>
+          </a:prstGeom>
+          <a:solidFill>
+            <a:srgbClr val="404040"/>
+          </a:solidFill>
+          <a:ln w="53975">
+            <a:noFill/>
+          </a:ln>
+        </p:spPr>
+        <p:style>
+          <a:lnRef idx="2">
+            <a:schemeClr val="accent1">
+              <a:shade val="50000"/>
+            </a:schemeClr>
+          </a:lnRef>
+          <a:fillRef idx="1">
+            <a:schemeClr val="accent1"/>
+          </a:fillRef>
+          <a:effectRef idx="0">
+            <a:schemeClr val="accent1"/>
+          </a:effectRef>
+          <a:fontRef idx="minor">
+            <a:schemeClr val="lt1"/>
+          </a:fontRef>
+        </p:style>
+        <p:txBody>
+          <a:bodyPr rtlCol="0" anchor="ctr"/>
+          <a:lstStyle/>
+          <a:p>
+            <a:pPr algn="ctr"/>
+            <a:endParaRPr lang="en-US"/>
+          </a:p>
+        </p:txBody>
+      </p:sp>
+      <p:sp>
+        <p:nvSpPr>
+          <p:cNvPr id="2" name="Title 1">
+            <a:extLst>
+              <a:ext uri="{FF2B5EF4-FFF2-40B4-BE49-F238E27FC236}">
+                <a16:creationId xmlns:a16="http://schemas.microsoft.com/office/drawing/2014/main" id="{1AE7AFD2-647C-C245-B2EE-7E566CD81000}"/>
+              </a:ext>
+            </a:extLst>
+          </p:cNvPr>
+          <p:cNvSpPr>
+            <a:spLocks noGrp="1"/>
+          </p:cNvSpPr>
+          <p:nvPr>
+            <p:ph type="title"/>
+          </p:nvPr>
+        </p:nvSpPr>
+        <p:spPr>
+          <a:xfrm>
+            <a:off x="1028700" y="1967266"/>
+            <a:ext cx="2628900" cy="2547257"/>
+          </a:xfrm>
+          <a:noFill/>
+        </p:spPr>
+        <p:txBody>
+          <a:bodyPr vert="horz" lIns="91440" tIns="45720" rIns="91440" bIns="45720" rtlCol="0" anchor="ctr">
+            <a:normAutofit/>
+          </a:bodyPr>
+          <a:lstStyle/>
+          <a:p>
+            <a:pPr algn="ctr"/>
+            <a:r>
+              <a:rPr lang="en-US" sz="3600" kern="1200" dirty="0">
+                <a:solidFill>
+                  <a:srgbClr val="FFFFFF"/>
+                </a:solidFill>
+                <a:latin typeface="+mj-lt"/>
+                <a:ea typeface="+mj-ea"/>
+                <a:cs typeface="+mj-cs"/>
+              </a:rPr>
+              <a:t>New Language on the Rise !</a:t>
+            </a:r>
+          </a:p>
+        </p:txBody>
+      </p:sp>
+      <p:pic>
+        <p:nvPicPr>
+          <p:cNvPr id="5" name="Picture 4">
+            <a:extLst>
+              <a:ext uri="{FF2B5EF4-FFF2-40B4-BE49-F238E27FC236}">
+                <a16:creationId xmlns:a16="http://schemas.microsoft.com/office/drawing/2014/main" id="{198EC23B-5390-F440-9B51-11A1D991FC44}"/>
+              </a:ext>
+            </a:extLst>
+          </p:cNvPr>
+          <p:cNvPicPr>
+            <a:picLocks noChangeAspect="1"/>
+          </p:cNvPicPr>
+          <p:nvPr/>
+        </p:nvPicPr>
+        <p:blipFill>
+          <a:blip r:embed="rId2">
+            <a:extLst>
+              <a:ext uri="{28A0092B-C50C-407E-A947-70E740481C1C}">
+                <a14:useLocalDpi xmlns:a14="http://schemas.microsoft.com/office/drawing/2010/main" val="0"/>
+              </a:ext>
+            </a:extLst>
+          </a:blip>
+          <a:stretch>
+            <a:fillRect/>
+          </a:stretch>
+        </p:blipFill>
+        <p:spPr>
+          <a:xfrm>
+            <a:off x="4693878" y="1049704"/>
+            <a:ext cx="6780700" cy="4390503"/>
+          </a:xfrm>
+          <a:prstGeom prst="rect">
+            <a:avLst/>
+          </a:prstGeom>
+        </p:spPr>
+      </p:pic>
+    </p:spTree>
+    <p:extLst>
+      <p:ext uri="{BB962C8B-B14F-4D97-AF65-F5344CB8AC3E}">
+        <p14:creationId xmlns:p14="http://schemas.microsoft.com/office/powerpoint/2010/main" val="3442137578"/>
+      </p:ext>
+    </p:extLst>
+  </p:cSld>
+  <p:clrMapOvr>
+    <a:masterClrMapping/>
+  </p:clrMapOvr>
+</p:sld>
+</file>
+
+<file path=ppt/slides/slide11.xml><?xml version="1.0" encoding="utf-8"?>
+<p:sld xmlns:a="http://schemas.openxmlformats.org/drawingml/2006/main" xmlns:r="http://schemas.openxmlformats.org/officeDocument/2006/relationships" xmlns:p="http://schemas.openxmlformats.org/presentationml/2006/main">
+  <p:cSld>
     <p:spTree>
       <p:nvGrpSpPr>
         <p:cNvPr id="1" name=""/>
@@ -4537,8 +4723,8 @@
         </p:nvSpPr>
         <p:spPr>
           <a:xfrm>
-            <a:off x="3720662" y="2764221"/>
-            <a:ext cx="3543278" cy="369332"/>
+            <a:off x="3636579" y="2316226"/>
+            <a:ext cx="3912353" cy="400110"/>
           </a:xfrm>
           <a:prstGeom prst="rect">
             <a:avLst/>
@@ -4552,9 +4738,75 @@
           <a:lstStyle/>
           <a:p>
             <a:r>
-              <a:rPr lang="en-CZ" dirty="0"/>
+              <a:rPr lang="en-CZ" sz="2000" i="1" dirty="0"/>
               <a:t>An End to End Data Science Product</a:t>
             </a:r>
+          </a:p>
+        </p:txBody>
+      </p:sp>
+      <p:sp>
+        <p:nvSpPr>
+          <p:cNvPr id="2" name="TextBox 1">
+            <a:extLst>
+              <a:ext uri="{FF2B5EF4-FFF2-40B4-BE49-F238E27FC236}">
+                <a16:creationId xmlns:a16="http://schemas.microsoft.com/office/drawing/2014/main" id="{FF2463B9-2745-4F44-9268-6D677745EBB4}"/>
+              </a:ext>
+            </a:extLst>
+          </p:cNvPr>
+          <p:cNvSpPr txBox="1"/>
+          <p:nvPr/>
+        </p:nvSpPr>
+        <p:spPr>
+          <a:xfrm>
+            <a:off x="3063270" y="3244334"/>
+            <a:ext cx="5936049" cy="369332"/>
+          </a:xfrm>
+          <a:prstGeom prst="rect">
+            <a:avLst/>
+          </a:prstGeom>
+          <a:noFill/>
+        </p:spPr>
+        <p:txBody>
+          <a:bodyPr wrap="none" rtlCol="0">
+            <a:spAutoFit/>
+          </a:bodyPr>
+          <a:lstStyle/>
+          <a:p>
+            <a:r>
+              <a:rPr lang="en-GB" dirty="0"/>
+              <a:t>Code Repo: </a:t>
+            </a:r>
+            <a:r>
+              <a:rPr lang="en-GB" dirty="0">
+                <a:hlinkClick r:id="rId2"/>
+              </a:rPr>
+              <a:t>https://</a:t>
+            </a:r>
+            <a:r>
+              <a:rPr lang="en-GB" dirty="0" err="1">
+                <a:hlinkClick r:id="rId2"/>
+              </a:rPr>
+              <a:t>github.com</a:t>
+            </a:r>
+            <a:r>
+              <a:rPr lang="en-GB" dirty="0">
+                <a:hlinkClick r:id="rId2"/>
+              </a:rPr>
+              <a:t>/</a:t>
+            </a:r>
+            <a:r>
+              <a:rPr lang="en-GB" dirty="0" err="1">
+                <a:hlinkClick r:id="rId2"/>
+              </a:rPr>
+              <a:t>DataPsycho</a:t>
+            </a:r>
+            <a:r>
+              <a:rPr lang="en-GB" dirty="0">
+                <a:hlinkClick r:id="rId2"/>
+              </a:rPr>
+              <a:t>/isrt-ds-intro-2021</a:t>
+            </a:r>
+            <a:endParaRPr lang="en-CZ" dirty="0"/>
           </a:p>
         </p:txBody>
       </p:sp>
@@ -4571,7 +4823,7 @@
 </p:sld>
 </file>
 
-<file path=ppt/slides/slide11.xml><?xml version="1.0" encoding="utf-8"?>
+<file path=ppt/slides/slide12.xml><?xml version="1.0" encoding="utf-8"?>
 <p:sld xmlns:a="http://schemas.openxmlformats.org/drawingml/2006/main" xmlns:r="http://schemas.openxmlformats.org/officeDocument/2006/relationships" xmlns:p="http://schemas.openxmlformats.org/presentationml/2006/main">
   <p:cSld>
     <p:bg>
@@ -4998,7 +5250,7 @@
             </a:pPr>
             <a:r>
               <a:rPr lang="en-CZ" dirty="0"/>
-              <a:t>Decision Support System</a:t>
+              <a:t>Advance Programming</a:t>
             </a:r>
           </a:p>
           <a:p>
@@ -5177,7 +5429,7 @@
 </p:sld>
 </file>
 
-<file path=ppt/slides/slide12.xml><?xml version="1.0" encoding="utf-8"?>
+<file path=ppt/slides/slide13.xml><?xml version="1.0" encoding="utf-8"?>
 <p:sld xmlns:a="http://schemas.openxmlformats.org/drawingml/2006/main" xmlns:r="http://schemas.openxmlformats.org/officeDocument/2006/relationships" xmlns:p="http://schemas.openxmlformats.org/presentationml/2006/main">
   <p:cSld>
     <p:bg>
@@ -5485,45 +5737,6 @@
               <a:ea typeface="+mn-ea"/>
               <a:cs typeface="+mn-cs"/>
             </a:endParaRPr>
-          </a:p>
-        </p:txBody>
-      </p:sp>
-      <p:sp>
-        <p:nvSpPr>
-          <p:cNvPr id="2" name="Title 1">
-            <a:extLst>
-              <a:ext uri="{FF2B5EF4-FFF2-40B4-BE49-F238E27FC236}">
-                <a16:creationId xmlns:a16="http://schemas.microsoft.com/office/drawing/2014/main" id="{275055A5-26DF-4BA9-9C06-A0D2B700C48D}"/>
-              </a:ext>
-            </a:extLst>
-          </p:cNvPr>
-          <p:cNvSpPr>
-            <a:spLocks noGrp="1"/>
-          </p:cNvSpPr>
-          <p:nvPr>
-            <p:ph type="ctrTitle"/>
-          </p:nvPr>
-        </p:nvSpPr>
-        <p:spPr>
-          <a:xfrm>
-            <a:off x="3144349" y="2480649"/>
-            <a:ext cx="5448730" cy="1165338"/>
-          </a:xfrm>
-        </p:spPr>
-        <p:txBody>
-          <a:bodyPr anchor="b">
-            <a:normAutofit/>
-          </a:bodyPr>
-          <a:lstStyle/>
-          <a:p>
-            <a:r>
-              <a:rPr lang="en-US" sz="5200" dirty="0">
-                <a:solidFill>
-                  <a:schemeClr val="tx2"/>
-                </a:solidFill>
-              </a:rPr>
-              <a:t>Thank You !</a:t>
-            </a:r>
           </a:p>
         </p:txBody>
       </p:sp>
@@ -8677,6 +8890,34 @@
           </a:prstGeom>
         </p:spPr>
       </p:pic>
+      <p:sp>
+        <p:nvSpPr>
+          <p:cNvPr id="5" name="Title 4">
+            <a:extLst>
+              <a:ext uri="{FF2B5EF4-FFF2-40B4-BE49-F238E27FC236}">
+                <a16:creationId xmlns:a16="http://schemas.microsoft.com/office/drawing/2014/main" id="{A64365C1-1D8E-5247-AE0A-B4DAF42887AE}"/>
+              </a:ext>
+            </a:extLst>
+          </p:cNvPr>
+          <p:cNvSpPr>
+            <a:spLocks noGrp="1"/>
+          </p:cNvSpPr>
+          <p:nvPr>
+            <p:ph type="ctrTitle"/>
+          </p:nvPr>
+        </p:nvSpPr>
+        <p:spPr/>
+        <p:txBody>
+          <a:bodyPr/>
+          <a:lstStyle/>
+          <a:p>
+            <a:r>
+              <a:rPr lang="en-CZ" dirty="0"/>
+              <a:t>Q &amp; A?</a:t>
+            </a:r>
+          </a:p>
+        </p:txBody>
+      </p:sp>
     </p:spTree>
     <p:extLst>
       <p:ext uri="{BB962C8B-B14F-4D97-AF65-F5344CB8AC3E}">
@@ -8691,6 +8932,145 @@
 </file>
 
 <file path=ppt/slides/slide2.xml><?xml version="1.0" encoding="utf-8"?>
+<p:sld xmlns:a="http://schemas.openxmlformats.org/drawingml/2006/main" xmlns:r="http://schemas.openxmlformats.org/officeDocument/2006/relationships" xmlns:p="http://schemas.openxmlformats.org/presentationml/2006/main">
+  <p:cSld>
+    <p:spTree>
+      <p:nvGrpSpPr>
+        <p:cNvPr id="1" name=""/>
+        <p:cNvGrpSpPr/>
+        <p:nvPr/>
+      </p:nvGrpSpPr>
+      <p:grpSpPr>
+        <a:xfrm>
+          <a:off x="0" y="0"/>
+          <a:ext cx="0" cy="0"/>
+          <a:chOff x="0" y="0"/>
+          <a:chExt cx="0" cy="0"/>
+        </a:xfrm>
+      </p:grpSpPr>
+      <p:sp>
+        <p:nvSpPr>
+          <p:cNvPr id="2" name="Title 1">
+            <a:extLst>
+              <a:ext uri="{FF2B5EF4-FFF2-40B4-BE49-F238E27FC236}">
+                <a16:creationId xmlns:a16="http://schemas.microsoft.com/office/drawing/2014/main" id="{C14506B1-F3AC-4190-95D5-DBC962741B8A}"/>
+              </a:ext>
+            </a:extLst>
+          </p:cNvPr>
+          <p:cNvSpPr>
+            <a:spLocks noGrp="1"/>
+          </p:cNvSpPr>
+          <p:nvPr>
+            <p:ph type="title"/>
+          </p:nvPr>
+        </p:nvSpPr>
+        <p:spPr>
+          <a:xfrm>
+            <a:off x="1028700" y="1967266"/>
+            <a:ext cx="2628900" cy="2547257"/>
+          </a:xfrm>
+          <a:noFill/>
+        </p:spPr>
+        <p:txBody>
+          <a:bodyPr vert="horz" lIns="91440" tIns="45720" rIns="91440" bIns="45720" rtlCol="0" anchor="ctr">
+            <a:normAutofit/>
+          </a:bodyPr>
+          <a:lstStyle/>
+          <a:p>
+            <a:pPr algn="ctr"/>
+            <a:r>
+              <a:rPr lang="en-US" sz="3600" kern="1200" dirty="0">
+                <a:solidFill>
+                  <a:srgbClr val="FFFFFF"/>
+                </a:solidFill>
+                <a:latin typeface="+mj-lt"/>
+                <a:ea typeface="+mj-ea"/>
+                <a:cs typeface="+mj-cs"/>
+              </a:rPr>
+              <a:t>35° C → 5° C </a:t>
+            </a:r>
+          </a:p>
+        </p:txBody>
+      </p:sp>
+      <p:pic>
+        <p:nvPicPr>
+          <p:cNvPr id="4" name="Picture 3">
+            <a:extLst>
+              <a:ext uri="{FF2B5EF4-FFF2-40B4-BE49-F238E27FC236}">
+                <a16:creationId xmlns:a16="http://schemas.microsoft.com/office/drawing/2014/main" id="{A98293B5-9493-4C5A-BEC3-787FD5C5A475}"/>
+              </a:ext>
+            </a:extLst>
+          </p:cNvPr>
+          <p:cNvPicPr>
+            <a:picLocks noChangeAspect="1"/>
+          </p:cNvPicPr>
+          <p:nvPr/>
+        </p:nvPicPr>
+        <p:blipFill>
+          <a:blip r:embed="rId2"/>
+          <a:stretch>
+            <a:fillRect/>
+          </a:stretch>
+        </p:blipFill>
+        <p:spPr>
+          <a:xfrm>
+            <a:off x="2705650" y="1511816"/>
+            <a:ext cx="6780700" cy="3458156"/>
+          </a:xfrm>
+          <a:prstGeom prst="rect">
+            <a:avLst/>
+          </a:prstGeom>
+        </p:spPr>
+      </p:pic>
+      <p:sp>
+        <p:nvSpPr>
+          <p:cNvPr id="3" name="TextBox 2">
+            <a:extLst>
+              <a:ext uri="{FF2B5EF4-FFF2-40B4-BE49-F238E27FC236}">
+                <a16:creationId xmlns:a16="http://schemas.microsoft.com/office/drawing/2014/main" id="{DFF24DAF-7743-EF4E-85BD-A639D3B22BDB}"/>
+              </a:ext>
+            </a:extLst>
+          </p:cNvPr>
+          <p:cNvSpPr txBox="1"/>
+          <p:nvPr/>
+        </p:nvSpPr>
+        <p:spPr>
+          <a:xfrm>
+            <a:off x="4921415" y="5161518"/>
+            <a:ext cx="2349169" cy="369332"/>
+          </a:xfrm>
+          <a:prstGeom prst="rect">
+            <a:avLst/>
+          </a:prstGeom>
+          <a:noFill/>
+        </p:spPr>
+        <p:txBody>
+          <a:bodyPr wrap="none" rtlCol="0">
+            <a:spAutoFit/>
+          </a:bodyPr>
+          <a:lstStyle/>
+          <a:p>
+            <a:r>
+              <a:rPr lang="en-CZ" dirty="0"/>
+              <a:t>Prague, Czech Republic</a:t>
+            </a:r>
+          </a:p>
+        </p:txBody>
+      </p:sp>
+    </p:spTree>
+    <p:extLst>
+      <p:ext uri="{BB962C8B-B14F-4D97-AF65-F5344CB8AC3E}">
+        <p14:creationId xmlns:p14="http://schemas.microsoft.com/office/powerpoint/2010/main" val="1464702924"/>
+      </p:ext>
+    </p:extLst>
+  </p:cSld>
+  <p:clrMapOvr>
+    <a:masterClrMapping/>
+  </p:clrMapOvr>
+</p:sld>
+</file>
+
+<file path=ppt/slides/slide3.xml><?xml version="1.0" encoding="utf-8"?>
 <p:sld xmlns:a="http://schemas.openxmlformats.org/drawingml/2006/main" xmlns:r="http://schemas.openxmlformats.org/officeDocument/2006/relationships" xmlns:p="http://schemas.openxmlformats.org/presentationml/2006/main">
   <p:cSld>
     <p:bg>
@@ -9342,7 +9722,7 @@
 </p:sld>
 </file>
 
-<file path=ppt/slides/slide3.xml><?xml version="1.0" encoding="utf-8"?>
+<file path=ppt/slides/slide4.xml><?xml version="1.0" encoding="utf-8"?>
 <p:sld xmlns:a="http://schemas.openxmlformats.org/drawingml/2006/main" xmlns:r="http://schemas.openxmlformats.org/officeDocument/2006/relationships" xmlns:p="http://schemas.openxmlformats.org/presentationml/2006/main">
   <p:cSld>
     <p:spTree>
@@ -10794,7 +11174,7 @@
 </p:sld>
 </file>
 
-<file path=ppt/slides/slide4.xml><?xml version="1.0" encoding="utf-8"?>
+<file path=ppt/slides/slide5.xml><?xml version="1.0" encoding="utf-8"?>
 <p:sld xmlns:a="http://schemas.openxmlformats.org/drawingml/2006/main" xmlns:r="http://schemas.openxmlformats.org/officeDocument/2006/relationships" xmlns:p="http://schemas.openxmlformats.org/presentationml/2006/main">
   <p:cSld>
     <p:spTree>
@@ -12119,7 +12499,7 @@
 </p:sld>
 </file>
 
-<file path=ppt/slides/slide5.xml><?xml version="1.0" encoding="utf-8"?>
+<file path=ppt/slides/slide6.xml><?xml version="1.0" encoding="utf-8"?>
 <p:sld xmlns:a="http://schemas.openxmlformats.org/drawingml/2006/main" xmlns:r="http://schemas.openxmlformats.org/officeDocument/2006/relationships" xmlns:p="http://schemas.openxmlformats.org/presentationml/2006/main">
   <p:cSld>
     <p:bg>
@@ -12847,7 +13227,7 @@
 </p:sld>
 </file>
 
-<file path=ppt/slides/slide6.xml><?xml version="1.0" encoding="utf-8"?>
+<file path=ppt/slides/slide7.xml><?xml version="1.0" encoding="utf-8"?>
 <p:sld xmlns:a="http://schemas.openxmlformats.org/drawingml/2006/main" xmlns:r="http://schemas.openxmlformats.org/officeDocument/2006/relationships" xmlns:p="http://schemas.openxmlformats.org/presentationml/2006/main">
   <p:cSld>
     <p:bg>
@@ -15965,7 +16345,7 @@
 </p:sld>
 </file>
 
-<file path=ppt/slides/slide7.xml><?xml version="1.0" encoding="utf-8"?>
+<file path=ppt/slides/slide8.xml><?xml version="1.0" encoding="utf-8"?>
 <p:sld xmlns:a="http://schemas.openxmlformats.org/drawingml/2006/main" xmlns:r="http://schemas.openxmlformats.org/officeDocument/2006/relationships" xmlns:p="http://schemas.openxmlformats.org/presentationml/2006/main">
   <p:cSld>
     <p:bg>
@@ -19319,7 +19699,7 @@
 </p:sld>
 </file>
 
-<file path=ppt/slides/slide8.xml><?xml version="1.0" encoding="utf-8"?>
+<file path=ppt/slides/slide9.xml><?xml version="1.0" encoding="utf-8"?>
 <p:sld xmlns:a="http://schemas.openxmlformats.org/drawingml/2006/main" xmlns:r="http://schemas.openxmlformats.org/officeDocument/2006/relationships" xmlns:p="http://schemas.openxmlformats.org/presentationml/2006/main">
   <p:cSld>
     <p:bg>
@@ -19526,190 +19906,6 @@
     <p:extLst>
       <p:ext uri="{BB962C8B-B14F-4D97-AF65-F5344CB8AC3E}">
         <p14:creationId xmlns:p14="http://schemas.microsoft.com/office/powerpoint/2010/main" val="3268895132"/>
-      </p:ext>
-    </p:extLst>
-  </p:cSld>
-  <p:clrMapOvr>
-    <a:masterClrMapping/>
-  </p:clrMapOvr>
-</p:sld>
-</file>
-
-<file path=ppt/slides/slide9.xml><?xml version="1.0" encoding="utf-8"?>
-<p:sld xmlns:a="http://schemas.openxmlformats.org/drawingml/2006/main" xmlns:r="http://schemas.openxmlformats.org/officeDocument/2006/relationships" xmlns:p="http://schemas.openxmlformats.org/presentationml/2006/main">
-  <p:cSld>
-    <p:bg>
-      <p:bgPr>
-        <a:solidFill>
-          <a:schemeClr val="bg1"/>
-        </a:solidFill>
-        <a:effectLst/>
-      </p:bgPr>
-    </p:bg>
-    <p:spTree>
-      <p:nvGrpSpPr>
-        <p:cNvPr id="1" name=""/>
-        <p:cNvGrpSpPr/>
-        <p:nvPr/>
-      </p:nvGrpSpPr>
-      <p:grpSpPr>
-        <a:xfrm>
-          <a:off x="0" y="0"/>
-          <a:ext cx="0" cy="0"/>
-          <a:chOff x="0" y="0"/>
-          <a:chExt cx="0" cy="0"/>
-        </a:xfrm>
-      </p:grpSpPr>
-      <p:sp>
-        <p:nvSpPr>
-          <p:cNvPr id="10" name="Down Arrow 7">
-            <a:extLst>
-              <a:ext uri="{FF2B5EF4-FFF2-40B4-BE49-F238E27FC236}">
-                <a16:creationId xmlns:a16="http://schemas.microsoft.com/office/drawing/2014/main" id="{D4771268-CB57-404A-9271-370EB28F6090}"/>
-              </a:ext>
-              <a:ext uri="{C183D7F6-B498-43B3-948B-1728B52AA6E4}">
-                <adec:decorative xmlns:adec="http://schemas.microsoft.com/office/drawing/2017/decorative" val="1"/>
-              </a:ext>
-            </a:extLst>
-          </p:cNvPr>
-          <p:cNvSpPr>
-            <a:spLocks noGrp="1" noRot="1" noChangeAspect="1" noMove="1" noResize="1" noEditPoints="1" noAdjustHandles="1" noChangeArrowheads="1" noChangeShapeType="1" noTextEdit="1"/>
-          </p:cNvSpPr>
-          <p:nvPr>
-            <p:extLst>
-              <p:ext uri="{386F3935-93C4-4BCD-93E2-E3B085C9AB24}">
-                <p16:designElem xmlns:p16="http://schemas.microsoft.com/office/powerpoint/2015/main" val="1"/>
-              </p:ext>
-            </p:extLst>
-          </p:nvPr>
-        </p:nvSpPr>
-        <p:spPr>
-          <a:xfrm rot="16200000">
-            <a:off x="800100" y="1491343"/>
-            <a:ext cx="3333749" cy="3499103"/>
-          </a:xfrm>
-          <a:prstGeom prst="downArrow">
-            <a:avLst>
-              <a:gd name="adj1" fmla="val 100000"/>
-              <a:gd name="adj2" fmla="val 15788"/>
-            </a:avLst>
-          </a:prstGeom>
-          <a:solidFill>
-            <a:srgbClr val="404040"/>
-          </a:solidFill>
-          <a:ln w="53975">
-            <a:noFill/>
-          </a:ln>
-        </p:spPr>
-        <p:style>
-          <a:lnRef idx="2">
-            <a:schemeClr val="accent1">
-              <a:shade val="50000"/>
-            </a:schemeClr>
-          </a:lnRef>
-          <a:fillRef idx="1">
-            <a:schemeClr val="accent1"/>
-          </a:fillRef>
-          <a:effectRef idx="0">
-            <a:schemeClr val="accent1"/>
-          </a:effectRef>
-          <a:fontRef idx="minor">
-            <a:schemeClr val="lt1"/>
-          </a:fontRef>
-        </p:style>
-        <p:txBody>
-          <a:bodyPr rtlCol="0" anchor="ctr"/>
-          <a:lstStyle/>
-          <a:p>
-            <a:pPr algn="ctr"/>
-            <a:endParaRPr lang="en-US"/>
-          </a:p>
-        </p:txBody>
-      </p:sp>
-      <p:sp>
-        <p:nvSpPr>
-          <p:cNvPr id="2" name="Title 1">
-            <a:extLst>
-              <a:ext uri="{FF2B5EF4-FFF2-40B4-BE49-F238E27FC236}">
-                <a16:creationId xmlns:a16="http://schemas.microsoft.com/office/drawing/2014/main" id="{1AE7AFD2-647C-C245-B2EE-7E566CD81000}"/>
-              </a:ext>
-            </a:extLst>
-          </p:cNvPr>
-          <p:cNvSpPr>
-            <a:spLocks noGrp="1"/>
-          </p:cNvSpPr>
-          <p:nvPr>
-            <p:ph type="title"/>
-          </p:nvPr>
-        </p:nvSpPr>
-        <p:spPr>
-          <a:xfrm>
-            <a:off x="1028700" y="1967266"/>
-            <a:ext cx="2628900" cy="2547257"/>
-          </a:xfrm>
-          <a:noFill/>
-        </p:spPr>
-        <p:txBody>
-          <a:bodyPr vert="horz" lIns="91440" tIns="45720" rIns="91440" bIns="45720" rtlCol="0" anchor="ctr">
-            <a:normAutofit/>
-          </a:bodyPr>
-          <a:lstStyle/>
-          <a:p>
-            <a:pPr algn="ctr"/>
-            <a:r>
-              <a:rPr lang="en-US" sz="3600" kern="1200" dirty="0">
-                <a:solidFill>
-                  <a:srgbClr val="FFFFFF"/>
-                </a:solidFill>
-                <a:latin typeface="+mj-lt"/>
-                <a:ea typeface="+mj-ea"/>
-                <a:cs typeface="+mj-cs"/>
-              </a:rPr>
-              <a:t>New Language on the Rise !</a:t>
-            </a:r>
-          </a:p>
-        </p:txBody>
-      </p:sp>
-      <p:pic>
-        <p:nvPicPr>
-          <p:cNvPr id="5" name="Picture 4">
-            <a:extLst>
-              <a:ext uri="{FF2B5EF4-FFF2-40B4-BE49-F238E27FC236}">
-                <a16:creationId xmlns:a16="http://schemas.microsoft.com/office/drawing/2014/main" id="{198EC23B-5390-F440-9B51-11A1D991FC44}"/>
-              </a:ext>
-            </a:extLst>
-          </p:cNvPr>
-          <p:cNvPicPr>
-            <a:picLocks noChangeAspect="1"/>
-          </p:cNvPicPr>
-          <p:nvPr/>
-        </p:nvPicPr>
-        <p:blipFill>
-          <a:blip r:embed="rId2">
-            <a:extLst>
-              <a:ext uri="{28A0092B-C50C-407E-A947-70E740481C1C}">
-                <a14:useLocalDpi xmlns:a14="http://schemas.microsoft.com/office/drawing/2010/main" val="0"/>
-              </a:ext>
-            </a:extLst>
-          </a:blip>
-          <a:stretch>
-            <a:fillRect/>
-          </a:stretch>
-        </p:blipFill>
-        <p:spPr>
-          <a:xfrm>
-            <a:off x="4693878" y="1049704"/>
-            <a:ext cx="6780700" cy="4390503"/>
-          </a:xfrm>
-          <a:prstGeom prst="rect">
-            <a:avLst/>
-          </a:prstGeom>
-        </p:spPr>
-      </p:pic>
-    </p:spTree>
-    <p:extLst>
-      <p:ext uri="{BB962C8B-B14F-4D97-AF65-F5344CB8AC3E}">
-        <p14:creationId xmlns:p14="http://schemas.microsoft.com/office/powerpoint/2010/main" val="3442137578"/>
       </p:ext>
     </p:extLst>
   </p:cSld>
